--- a/Final-capstone-story.pptx
+++ b/Final-capstone-story.pptx
@@ -5,7 +5,7 @@
     <p:sldMasterId id="2147483660" r:id="rId4"/>
   </p:sldMasterIdLst>
   <p:notesMasterIdLst>
-    <p:notesMasterId r:id="rId25"/>
+    <p:notesMasterId r:id="rId27"/>
   </p:notesMasterIdLst>
   <p:sldIdLst>
     <p:sldId id="256" r:id="rId5"/>
@@ -28,6 +28,8 @@
     <p:sldId id="275" r:id="rId22"/>
     <p:sldId id="276" r:id="rId23"/>
     <p:sldId id="277" r:id="rId24"/>
+    <p:sldId id="282" r:id="rId25"/>
+    <p:sldId id="283" r:id="rId26"/>
   </p:sldIdLst>
   <p:sldSz cx="12192000" cy="6858000"/>
   <p:notesSz cx="6858000" cy="1857375"/>
@@ -158,521 +160,6 @@
     </p:extLst>
   </p:cmAuthor>
 </p:cmAuthorLst>
-</file>
-
-<file path=ppt/revisionInfo.xml><?xml version="1.0" encoding="utf-8"?>
-<p1510:revInfo xmlns:a="http://schemas.openxmlformats.org/drawingml/2006/main" xmlns:r="http://schemas.openxmlformats.org/officeDocument/2006/relationships" xmlns:p1510="http://schemas.microsoft.com/office/powerpoint/2015/10/main">
-  <p1510:revLst>
-    <p1510:client id="{6082D4E2-8DEE-3D72-EEA6-1A88C0CF44E0}" v="55" dt="2024-11-17T16:37:24.199"/>
-    <p1510:client id="{64770AA2-56E3-75C4-CC13-7698FD13EFA8}" v="277" dt="2024-11-16T19:39:10.977"/>
-    <p1510:client id="{DACD48B9-C10D-25D6-AC02-1F84CBA33CF1}" v="2027" dt="2024-11-16T18:34:57.417"/>
-  </p1510:revLst>
-</p1510:revInfo>
-</file>
-
-<file path=ppt/changesInfos/changesInfo1.xml><?xml version="1.0" encoding="utf-8"?>
-<pc:chgInfo xmlns:a="http://schemas.openxmlformats.org/drawingml/2006/main" xmlns:r="http://schemas.openxmlformats.org/officeDocument/2006/relationships" xmlns:ac="http://schemas.microsoft.com/office/drawing/2013/main/command" xmlns:pc="http://schemas.microsoft.com/office/powerpoint/2013/main/command">
-  <pc:docChgLst>
-    <pc:chgData name="Krista Anderson" userId="9258ad07f004259c" providerId="Windows Live" clId="Web-{DACD48B9-C10D-25D6-AC02-1F84CBA33CF1}"/>
-    <pc:docChg chg="addSld delSld modSld">
-      <pc:chgData name="Krista Anderson" userId="9258ad07f004259c" providerId="Windows Live" clId="Web-{DACD48B9-C10D-25D6-AC02-1F84CBA33CF1}" dt="2024-11-16T18:34:55.105" v="1727" actId="20577"/>
-      <pc:docMkLst>
-        <pc:docMk/>
-      </pc:docMkLst>
-      <pc:sldChg chg="addSp delSp modSp">
-        <pc:chgData name="Krista Anderson" userId="9258ad07f004259c" providerId="Windows Live" clId="Web-{DACD48B9-C10D-25D6-AC02-1F84CBA33CF1}" dt="2024-11-16T15:32:11.324" v="40" actId="20577"/>
-        <pc:sldMkLst>
-          <pc:docMk/>
-          <pc:sldMk cId="3237914124" sldId="256"/>
-        </pc:sldMkLst>
-        <pc:spChg chg="mod">
-          <ac:chgData name="Krista Anderson" userId="9258ad07f004259c" providerId="Windows Live" clId="Web-{DACD48B9-C10D-25D6-AC02-1F84CBA33CF1}" dt="2024-11-16T15:32:11.324" v="40" actId="20577"/>
-          <ac:spMkLst>
-            <pc:docMk/>
-            <pc:sldMk cId="3237914124" sldId="256"/>
-            <ac:spMk id="2" creationId="{2FE973FE-1F8B-4DED-8DC0-71E987678976}"/>
-          </ac:spMkLst>
-        </pc:spChg>
-        <pc:spChg chg="mod">
-          <ac:chgData name="Krista Anderson" userId="9258ad07f004259c" providerId="Windows Live" clId="Web-{DACD48B9-C10D-25D6-AC02-1F84CBA33CF1}" dt="2024-11-16T15:24:49.171" v="26" actId="20577"/>
-          <ac:spMkLst>
-            <pc:docMk/>
-            <pc:sldMk cId="3237914124" sldId="256"/>
-            <ac:spMk id="3" creationId="{93383873-F31C-4E31-B4BA-B40D502705CE}"/>
-          </ac:spMkLst>
-        </pc:spChg>
-        <pc:spChg chg="add del">
-          <ac:chgData name="Krista Anderson" userId="9258ad07f004259c" providerId="Windows Live" clId="Web-{DACD48B9-C10D-25D6-AC02-1F84CBA33CF1}" dt="2024-11-16T15:24:30.155" v="17"/>
-          <ac:spMkLst>
-            <pc:docMk/>
-            <pc:sldMk cId="3237914124" sldId="256"/>
-            <ac:spMk id="5" creationId="{0CF84C6D-5FE5-05DC-FFBC-50E2ED90AEEF}"/>
-          </ac:spMkLst>
-        </pc:spChg>
-      </pc:sldChg>
-      <pc:sldChg chg="addSp delSp modSp">
-        <pc:chgData name="Krista Anderson" userId="9258ad07f004259c" providerId="Windows Live" clId="Web-{DACD48B9-C10D-25D6-AC02-1F84CBA33CF1}" dt="2024-11-16T18:20:59.694" v="1212" actId="1076"/>
-        <pc:sldMkLst>
-          <pc:docMk/>
-          <pc:sldMk cId="1957259874" sldId="258"/>
-        </pc:sldMkLst>
-        <pc:spChg chg="del mod">
-          <ac:chgData name="Krista Anderson" userId="9258ad07f004259c" providerId="Windows Live" clId="Web-{DACD48B9-C10D-25D6-AC02-1F84CBA33CF1}" dt="2024-11-16T16:42:02.950" v="517"/>
-          <ac:spMkLst>
-            <pc:docMk/>
-            <pc:sldMk cId="1957259874" sldId="258"/>
-            <ac:spMk id="8" creationId="{D13C2F43-A283-4FD4-9C0D-BFF93C50AC01}"/>
-          </ac:spMkLst>
-        </pc:spChg>
-        <pc:picChg chg="add mod">
-          <ac:chgData name="Krista Anderson" userId="9258ad07f004259c" providerId="Windows Live" clId="Web-{DACD48B9-C10D-25D6-AC02-1F84CBA33CF1}" dt="2024-11-16T18:20:59.694" v="1212" actId="1076"/>
-          <ac:picMkLst>
-            <pc:docMk/>
-            <pc:sldMk cId="1957259874" sldId="258"/>
-            <ac:picMk id="5" creationId="{D5F0EF33-AD6A-488F-7D46-DB0D3155D48B}"/>
-          </ac:picMkLst>
-        </pc:picChg>
-        <pc:picChg chg="add mod">
-          <ac:chgData name="Krista Anderson" userId="9258ad07f004259c" providerId="Windows Live" clId="Web-{DACD48B9-C10D-25D6-AC02-1F84CBA33CF1}" dt="2024-11-16T17:36:03.646" v="546" actId="14100"/>
-          <ac:picMkLst>
-            <pc:docMk/>
-            <pc:sldMk cId="1957259874" sldId="258"/>
-            <ac:picMk id="6" creationId="{F2911676-FB5B-505F-A592-AC16BF54B2CA}"/>
-          </ac:picMkLst>
-        </pc:picChg>
-      </pc:sldChg>
-      <pc:sldChg chg="modSp">
-        <pc:chgData name="Krista Anderson" userId="9258ad07f004259c" providerId="Windows Live" clId="Web-{DACD48B9-C10D-25D6-AC02-1F84CBA33CF1}" dt="2024-11-16T16:36:30.699" v="513" actId="20577"/>
-        <pc:sldMkLst>
-          <pc:docMk/>
-          <pc:sldMk cId="3083623366" sldId="260"/>
-        </pc:sldMkLst>
-        <pc:spChg chg="mod">
-          <ac:chgData name="Krista Anderson" userId="9258ad07f004259c" providerId="Windows Live" clId="Web-{DACD48B9-C10D-25D6-AC02-1F84CBA33CF1}" dt="2024-11-16T16:36:30.699" v="513" actId="20577"/>
-          <ac:spMkLst>
-            <pc:docMk/>
-            <pc:sldMk cId="3083623366" sldId="260"/>
-            <ac:spMk id="3" creationId="{902FD5C4-FE5F-46D2-ABC9-49FA4BB8442F}"/>
-          </ac:spMkLst>
-        </pc:spChg>
-      </pc:sldChg>
-      <pc:sldChg chg="modSp">
-        <pc:chgData name="Krista Anderson" userId="9258ad07f004259c" providerId="Windows Live" clId="Web-{DACD48B9-C10D-25D6-AC02-1F84CBA33CF1}" dt="2024-11-16T16:20:21.954" v="130" actId="20577"/>
-        <pc:sldMkLst>
-          <pc:docMk/>
-          <pc:sldMk cId="710623681" sldId="261"/>
-        </pc:sldMkLst>
-        <pc:spChg chg="mod">
-          <ac:chgData name="Krista Anderson" userId="9258ad07f004259c" providerId="Windows Live" clId="Web-{DACD48B9-C10D-25D6-AC02-1F84CBA33CF1}" dt="2024-11-16T16:20:21.954" v="130" actId="20577"/>
-          <ac:spMkLst>
-            <pc:docMk/>
-            <pc:sldMk cId="710623681" sldId="261"/>
-            <ac:spMk id="5" creationId="{DC710A13-9821-054D-8648-FB592F1CDDDF}"/>
-          </ac:spMkLst>
-        </pc:spChg>
-      </pc:sldChg>
-      <pc:sldChg chg="modSp">
-        <pc:chgData name="Krista Anderson" userId="9258ad07f004259c" providerId="Windows Live" clId="Web-{DACD48B9-C10D-25D6-AC02-1F84CBA33CF1}" dt="2024-11-16T16:21:51.207" v="183" actId="20577"/>
-        <pc:sldMkLst>
-          <pc:docMk/>
-          <pc:sldMk cId="452859177" sldId="262"/>
-        </pc:sldMkLst>
-        <pc:spChg chg="mod">
-          <ac:chgData name="Krista Anderson" userId="9258ad07f004259c" providerId="Windows Live" clId="Web-{DACD48B9-C10D-25D6-AC02-1F84CBA33CF1}" dt="2024-11-16T16:21:51.207" v="183" actId="20577"/>
-          <ac:spMkLst>
-            <pc:docMk/>
-            <pc:sldMk cId="452859177" sldId="262"/>
-            <ac:spMk id="3" creationId="{902FD5C4-FE5F-46D2-ABC9-49FA4BB8442F}"/>
-          </ac:spMkLst>
-        </pc:spChg>
-      </pc:sldChg>
-      <pc:sldChg chg="addSp modSp">
-        <pc:chgData name="Krista Anderson" userId="9258ad07f004259c" providerId="Windows Live" clId="Web-{DACD48B9-C10D-25D6-AC02-1F84CBA33CF1}" dt="2024-11-16T16:37:11.825" v="515" actId="20577"/>
-        <pc:sldMkLst>
-          <pc:docMk/>
-          <pc:sldMk cId="1464666480" sldId="263"/>
-        </pc:sldMkLst>
-        <pc:spChg chg="add mod">
-          <ac:chgData name="Krista Anderson" userId="9258ad07f004259c" providerId="Windows Live" clId="Web-{DACD48B9-C10D-25D6-AC02-1F84CBA33CF1}" dt="2024-11-16T16:37:11.825" v="515" actId="20577"/>
-          <ac:spMkLst>
-            <pc:docMk/>
-            <pc:sldMk cId="1464666480" sldId="263"/>
-            <ac:spMk id="4" creationId="{BEB71D7B-8017-F198-F87D-969C19C0FCB7}"/>
-          </ac:spMkLst>
-        </pc:spChg>
-      </pc:sldChg>
-      <pc:sldChg chg="modSp">
-        <pc:chgData name="Krista Anderson" userId="9258ad07f004259c" providerId="Windows Live" clId="Web-{DACD48B9-C10D-25D6-AC02-1F84CBA33CF1}" dt="2024-11-16T17:45:19.081" v="809" actId="20577"/>
-        <pc:sldMkLst>
-          <pc:docMk/>
-          <pc:sldMk cId="545569246" sldId="264"/>
-        </pc:sldMkLst>
-        <pc:spChg chg="mod">
-          <ac:chgData name="Krista Anderson" userId="9258ad07f004259c" providerId="Windows Live" clId="Web-{DACD48B9-C10D-25D6-AC02-1F84CBA33CF1}" dt="2024-11-16T17:45:01.721" v="795" actId="20577"/>
-          <ac:spMkLst>
-            <pc:docMk/>
-            <pc:sldMk cId="545569246" sldId="264"/>
-            <ac:spMk id="3" creationId="{E4FC0D20-FACF-4D73-BD27-CF8F6B97546A}"/>
-          </ac:spMkLst>
-        </pc:spChg>
-        <pc:spChg chg="mod">
-          <ac:chgData name="Krista Anderson" userId="9258ad07f004259c" providerId="Windows Live" clId="Web-{DACD48B9-C10D-25D6-AC02-1F84CBA33CF1}" dt="2024-11-16T17:45:19.081" v="809" actId="20577"/>
-          <ac:spMkLst>
-            <pc:docMk/>
-            <pc:sldMk cId="545569246" sldId="264"/>
-            <ac:spMk id="4" creationId="{ACA6A89D-097D-4968-A07A-39A5B4F78A62}"/>
-          </ac:spMkLst>
-        </pc:spChg>
-      </pc:sldChg>
-      <pc:sldChg chg="modSp">
-        <pc:chgData name="Krista Anderson" userId="9258ad07f004259c" providerId="Windows Live" clId="Web-{DACD48B9-C10D-25D6-AC02-1F84CBA33CF1}" dt="2024-11-16T18:04:03.107" v="1073" actId="20577"/>
-        <pc:sldMkLst>
-          <pc:docMk/>
-          <pc:sldMk cId="9691683" sldId="267"/>
-        </pc:sldMkLst>
-        <pc:spChg chg="mod">
-          <ac:chgData name="Krista Anderson" userId="9258ad07f004259c" providerId="Windows Live" clId="Web-{DACD48B9-C10D-25D6-AC02-1F84CBA33CF1}" dt="2024-11-16T18:04:03.107" v="1073" actId="20577"/>
-          <ac:spMkLst>
-            <pc:docMk/>
-            <pc:sldMk cId="9691683" sldId="267"/>
-            <ac:spMk id="3" creationId="{902FD5C4-FE5F-46D2-ABC9-49FA4BB8442F}"/>
-          </ac:spMkLst>
-        </pc:spChg>
-      </pc:sldChg>
-      <pc:sldChg chg="addSp modSp">
-        <pc:chgData name="Krista Anderson" userId="9258ad07f004259c" providerId="Windows Live" clId="Web-{DACD48B9-C10D-25D6-AC02-1F84CBA33CF1}" dt="2024-11-16T18:09:53.381" v="1079" actId="14100"/>
-        <pc:sldMkLst>
-          <pc:docMk/>
-          <pc:sldMk cId="916853615" sldId="268"/>
-        </pc:sldMkLst>
-        <pc:picChg chg="add mod">
-          <ac:chgData name="Krista Anderson" userId="9258ad07f004259c" providerId="Windows Live" clId="Web-{DACD48B9-C10D-25D6-AC02-1F84CBA33CF1}" dt="2024-11-16T18:09:53.381" v="1079" actId="14100"/>
-          <ac:picMkLst>
-            <pc:docMk/>
-            <pc:sldMk cId="916853615" sldId="268"/>
-            <ac:picMk id="3" creationId="{4EFF4F87-7AC7-B882-87BA-446362B5753D}"/>
-          </ac:picMkLst>
-        </pc:picChg>
-      </pc:sldChg>
-      <pc:sldChg chg="addSp modSp">
-        <pc:chgData name="Krista Anderson" userId="9258ad07f004259c" providerId="Windows Live" clId="Web-{DACD48B9-C10D-25D6-AC02-1F84CBA33CF1}" dt="2024-11-16T18:12:56.964" v="1084" actId="14100"/>
-        <pc:sldMkLst>
-          <pc:docMk/>
-          <pc:sldMk cId="3266127139" sldId="269"/>
-        </pc:sldMkLst>
-        <pc:picChg chg="add mod">
-          <ac:chgData name="Krista Anderson" userId="9258ad07f004259c" providerId="Windows Live" clId="Web-{DACD48B9-C10D-25D6-AC02-1F84CBA33CF1}" dt="2024-11-16T18:12:56.964" v="1084" actId="14100"/>
-          <ac:picMkLst>
-            <pc:docMk/>
-            <pc:sldMk cId="3266127139" sldId="269"/>
-            <ac:picMk id="3" creationId="{A68FA4AB-0A6A-21C7-60C7-D5ECF24F2FC3}"/>
-          </ac:picMkLst>
-        </pc:picChg>
-      </pc:sldChg>
-      <pc:sldChg chg="addSp modSp">
-        <pc:chgData name="Krista Anderson" userId="9258ad07f004259c" providerId="Windows Live" clId="Web-{DACD48B9-C10D-25D6-AC02-1F84CBA33CF1}" dt="2024-11-16T18:16:49.063" v="1088" actId="14100"/>
-        <pc:sldMkLst>
-          <pc:docMk/>
-          <pc:sldMk cId="3517973280" sldId="270"/>
-        </pc:sldMkLst>
-        <pc:picChg chg="add mod">
-          <ac:chgData name="Krista Anderson" userId="9258ad07f004259c" providerId="Windows Live" clId="Web-{DACD48B9-C10D-25D6-AC02-1F84CBA33CF1}" dt="2024-11-16T18:16:49.063" v="1088" actId="14100"/>
-          <ac:picMkLst>
-            <pc:docMk/>
-            <pc:sldMk cId="3517973280" sldId="270"/>
-            <ac:picMk id="3" creationId="{530681C5-591A-3033-5650-E5228CE2A0F3}"/>
-          </ac:picMkLst>
-        </pc:picChg>
-      </pc:sldChg>
-      <pc:sldChg chg="modSp">
-        <pc:chgData name="Krista Anderson" userId="9258ad07f004259c" providerId="Windows Live" clId="Web-{DACD48B9-C10D-25D6-AC02-1F84CBA33CF1}" dt="2024-11-16T18:18:35.143" v="1183" actId="20577"/>
-        <pc:sldMkLst>
-          <pc:docMk/>
-          <pc:sldMk cId="2161130591" sldId="272"/>
-        </pc:sldMkLst>
-        <pc:spChg chg="mod">
-          <ac:chgData name="Krista Anderson" userId="9258ad07f004259c" providerId="Windows Live" clId="Web-{DACD48B9-C10D-25D6-AC02-1F84CBA33CF1}" dt="2024-11-16T18:18:35.143" v="1183" actId="20577"/>
-          <ac:spMkLst>
-            <pc:docMk/>
-            <pc:sldMk cId="2161130591" sldId="272"/>
-            <ac:spMk id="5" creationId="{28684E62-A9F8-4E7A-AB01-78893062A1B4}"/>
-          </ac:spMkLst>
-        </pc:spChg>
-      </pc:sldChg>
-      <pc:sldChg chg="modSp">
-        <pc:chgData name="Krista Anderson" userId="9258ad07f004259c" providerId="Windows Live" clId="Web-{DACD48B9-C10D-25D6-AC02-1F84CBA33CF1}" dt="2024-11-16T18:30:39.363" v="1589" actId="20577"/>
-        <pc:sldMkLst>
-          <pc:docMk/>
-          <pc:sldMk cId="647271476" sldId="273"/>
-        </pc:sldMkLst>
-        <pc:spChg chg="mod">
-          <ac:chgData name="Krista Anderson" userId="9258ad07f004259c" providerId="Windows Live" clId="Web-{DACD48B9-C10D-25D6-AC02-1F84CBA33CF1}" dt="2024-11-16T18:30:16.988" v="1567" actId="20577"/>
-          <ac:spMkLst>
-            <pc:docMk/>
-            <pc:sldMk cId="647271476" sldId="273"/>
-            <ac:spMk id="3" creationId="{E4FC0D20-FACF-4D73-BD27-CF8F6B97546A}"/>
-          </ac:spMkLst>
-        </pc:spChg>
-        <pc:spChg chg="mod">
-          <ac:chgData name="Krista Anderson" userId="9258ad07f004259c" providerId="Windows Live" clId="Web-{DACD48B9-C10D-25D6-AC02-1F84CBA33CF1}" dt="2024-11-16T18:30:39.363" v="1589" actId="20577"/>
-          <ac:spMkLst>
-            <pc:docMk/>
-            <pc:sldMk cId="647271476" sldId="273"/>
-            <ac:spMk id="4" creationId="{ACA6A89D-097D-4968-A07A-39A5B4F78A62}"/>
-          </ac:spMkLst>
-        </pc:spChg>
-      </pc:sldChg>
-      <pc:sldChg chg="modSp">
-        <pc:chgData name="Krista Anderson" userId="9258ad07f004259c" providerId="Windows Live" clId="Web-{DACD48B9-C10D-25D6-AC02-1F84CBA33CF1}" dt="2024-11-16T18:34:55.105" v="1727" actId="20577"/>
-        <pc:sldMkLst>
-          <pc:docMk/>
-          <pc:sldMk cId="1630123617" sldId="274"/>
-        </pc:sldMkLst>
-        <pc:spChg chg="mod">
-          <ac:chgData name="Krista Anderson" userId="9258ad07f004259c" providerId="Windows Live" clId="Web-{DACD48B9-C10D-25D6-AC02-1F84CBA33CF1}" dt="2024-11-16T18:34:55.105" v="1727" actId="20577"/>
-          <ac:spMkLst>
-            <pc:docMk/>
-            <pc:sldMk cId="1630123617" sldId="274"/>
-            <ac:spMk id="5" creationId="{28684E62-A9F8-4E7A-AB01-78893062A1B4}"/>
-          </ac:spMkLst>
-        </pc:spChg>
-      </pc:sldChg>
-      <pc:sldChg chg="addSp modSp">
-        <pc:chgData name="Krista Anderson" userId="9258ad07f004259c" providerId="Windows Live" clId="Web-{DACD48B9-C10D-25D6-AC02-1F84CBA33CF1}" dt="2024-11-16T17:51:01.948" v="822" actId="14100"/>
-        <pc:sldMkLst>
-          <pc:docMk/>
-          <pc:sldMk cId="1074638838" sldId="278"/>
-        </pc:sldMkLst>
-        <pc:picChg chg="add mod">
-          <ac:chgData name="Krista Anderson" userId="9258ad07f004259c" providerId="Windows Live" clId="Web-{DACD48B9-C10D-25D6-AC02-1F84CBA33CF1}" dt="2024-11-16T17:49:10.555" v="814" actId="14100"/>
-          <ac:picMkLst>
-            <pc:docMk/>
-            <pc:sldMk cId="1074638838" sldId="278"/>
-            <ac:picMk id="5" creationId="{BC19E447-7BF4-A4EB-29A8-D53DD5F0CC9B}"/>
-          </ac:picMkLst>
-        </pc:picChg>
-        <pc:picChg chg="add mod">
-          <ac:chgData name="Krista Anderson" userId="9258ad07f004259c" providerId="Windows Live" clId="Web-{DACD48B9-C10D-25D6-AC02-1F84CBA33CF1}" dt="2024-11-16T17:51:01.948" v="822" actId="14100"/>
-          <ac:picMkLst>
-            <pc:docMk/>
-            <pc:sldMk cId="1074638838" sldId="278"/>
-            <ac:picMk id="6" creationId="{407B9564-FFE1-72D1-1C13-5EE560E721FE}"/>
-          </ac:picMkLst>
-        </pc:picChg>
-      </pc:sldChg>
-      <pc:sldChg chg="modSp">
-        <pc:chgData name="Krista Anderson" userId="9258ad07f004259c" providerId="Windows Live" clId="Web-{DACD48B9-C10D-25D6-AC02-1F84CBA33CF1}" dt="2024-11-16T18:00:34.649" v="1065" actId="20577"/>
-        <pc:sldMkLst>
-          <pc:docMk/>
-          <pc:sldMk cId="2659604895" sldId="279"/>
-        </pc:sldMkLst>
-        <pc:spChg chg="mod">
-          <ac:chgData name="Krista Anderson" userId="9258ad07f004259c" providerId="Windows Live" clId="Web-{DACD48B9-C10D-25D6-AC02-1F84CBA33CF1}" dt="2024-11-16T17:55:27.314" v="934" actId="20577"/>
-          <ac:spMkLst>
-            <pc:docMk/>
-            <pc:sldMk cId="2659604895" sldId="279"/>
-            <ac:spMk id="3" creationId="{E4FC0D20-FACF-4D73-BD27-CF8F6B97546A}"/>
-          </ac:spMkLst>
-        </pc:spChg>
-        <pc:spChg chg="mod">
-          <ac:chgData name="Krista Anderson" userId="9258ad07f004259c" providerId="Windows Live" clId="Web-{DACD48B9-C10D-25D6-AC02-1F84CBA33CF1}" dt="2024-11-16T18:00:34.649" v="1065" actId="20577"/>
-          <ac:spMkLst>
-            <pc:docMk/>
-            <pc:sldMk cId="2659604895" sldId="279"/>
-            <ac:spMk id="4" creationId="{ACA6A89D-097D-4968-A07A-39A5B4F78A62}"/>
-          </ac:spMkLst>
-        </pc:spChg>
-      </pc:sldChg>
-      <pc:sldChg chg="addSp delSp modSp new add del mod modClrScheme chgLayout">
-        <pc:chgData name="Krista Anderson" userId="9258ad07f004259c" providerId="Windows Live" clId="Web-{DACD48B9-C10D-25D6-AC02-1F84CBA33CF1}" dt="2024-11-16T16:54:56.266" v="525"/>
-        <pc:sldMkLst>
-          <pc:docMk/>
-          <pc:sldMk cId="4262114882" sldId="280"/>
-        </pc:sldMkLst>
-        <pc:spChg chg="add del">
-          <ac:chgData name="Krista Anderson" userId="9258ad07f004259c" providerId="Windows Live" clId="Web-{DACD48B9-C10D-25D6-AC02-1F84CBA33CF1}" dt="2024-11-16T16:54:55.126" v="524"/>
-          <ac:spMkLst>
-            <pc:docMk/>
-            <pc:sldMk cId="4262114882" sldId="280"/>
-            <ac:spMk id="2" creationId="{67FB6DBB-83F5-10AC-D7D7-39AF6B6FAF55}"/>
-          </ac:spMkLst>
-        </pc:spChg>
-        <pc:spChg chg="add del">
-          <ac:chgData name="Krista Anderson" userId="9258ad07f004259c" providerId="Windows Live" clId="Web-{DACD48B9-C10D-25D6-AC02-1F84CBA33CF1}" dt="2024-11-16T16:54:55.126" v="524"/>
-          <ac:spMkLst>
-            <pc:docMk/>
-            <pc:sldMk cId="4262114882" sldId="280"/>
-            <ac:spMk id="3" creationId="{D5AEDDCD-9B75-4345-33DB-E13B69AB3CEA}"/>
-          </ac:spMkLst>
-        </pc:spChg>
-        <pc:spChg chg="add del">
-          <ac:chgData name="Krista Anderson" userId="9258ad07f004259c" providerId="Windows Live" clId="Web-{DACD48B9-C10D-25D6-AC02-1F84CBA33CF1}" dt="2024-11-16T16:54:55.126" v="524"/>
-          <ac:spMkLst>
-            <pc:docMk/>
-            <pc:sldMk cId="4262114882" sldId="280"/>
-            <ac:spMk id="4" creationId="{354D93C7-606B-6520-F528-5FD1376E94D5}"/>
-          </ac:spMkLst>
-        </pc:spChg>
-        <pc:spChg chg="add del mod">
-          <ac:chgData name="Krista Anderson" userId="9258ad07f004259c" providerId="Windows Live" clId="Web-{DACD48B9-C10D-25D6-AC02-1F84CBA33CF1}" dt="2024-11-16T16:54:53.157" v="523"/>
-          <ac:spMkLst>
-            <pc:docMk/>
-            <pc:sldMk cId="4262114882" sldId="280"/>
-            <ac:spMk id="5" creationId="{E558B1F2-D485-6B9A-48E8-E583A682C75C}"/>
-          </ac:spMkLst>
-        </pc:spChg>
-      </pc:sldChg>
-    </pc:docChg>
-  </pc:docChgLst>
-  <pc:docChgLst>
-    <pc:chgData name="Krista Anderson" userId="9258ad07f004259c" providerId="Windows Live" clId="Web-{64770AA2-56E3-75C4-CC13-7698FD13EFA8}"/>
-    <pc:docChg chg="modSld">
-      <pc:chgData name="Krista Anderson" userId="9258ad07f004259c" providerId="Windows Live" clId="Web-{64770AA2-56E3-75C4-CC13-7698FD13EFA8}" dt="2024-11-16T19:39:10.977" v="282" actId="14100"/>
-      <pc:docMkLst>
-        <pc:docMk/>
-      </pc:docMkLst>
-      <pc:sldChg chg="modSp">
-        <pc:chgData name="Krista Anderson" userId="9258ad07f004259c" providerId="Windows Live" clId="Web-{64770AA2-56E3-75C4-CC13-7698FD13EFA8}" dt="2024-11-16T19:33:02.899" v="232" actId="20577"/>
-        <pc:sldMkLst>
-          <pc:docMk/>
-          <pc:sldMk cId="3083623366" sldId="260"/>
-        </pc:sldMkLst>
-        <pc:spChg chg="mod">
-          <ac:chgData name="Krista Anderson" userId="9258ad07f004259c" providerId="Windows Live" clId="Web-{64770AA2-56E3-75C4-CC13-7698FD13EFA8}" dt="2024-11-16T19:33:02.899" v="232" actId="20577"/>
-          <ac:spMkLst>
-            <pc:docMk/>
-            <pc:sldMk cId="3083623366" sldId="260"/>
-            <ac:spMk id="3" creationId="{902FD5C4-FE5F-46D2-ABC9-49FA4BB8442F}"/>
-          </ac:spMkLst>
-        </pc:spChg>
-      </pc:sldChg>
-      <pc:sldChg chg="modSp">
-        <pc:chgData name="Krista Anderson" userId="9258ad07f004259c" providerId="Windows Live" clId="Web-{64770AA2-56E3-75C4-CC13-7698FD13EFA8}" dt="2024-11-16T19:36:59.815" v="276" actId="20577"/>
-        <pc:sldMkLst>
-          <pc:docMk/>
-          <pc:sldMk cId="710623681" sldId="261"/>
-        </pc:sldMkLst>
-        <pc:spChg chg="mod">
-          <ac:chgData name="Krista Anderson" userId="9258ad07f004259c" providerId="Windows Live" clId="Web-{64770AA2-56E3-75C4-CC13-7698FD13EFA8}" dt="2024-11-16T19:36:59.815" v="276" actId="20577"/>
-          <ac:spMkLst>
-            <pc:docMk/>
-            <pc:sldMk cId="710623681" sldId="261"/>
-            <ac:spMk id="5" creationId="{DC710A13-9821-054D-8648-FB592F1CDDDF}"/>
-          </ac:spMkLst>
-        </pc:spChg>
-      </pc:sldChg>
-      <pc:sldChg chg="addSp modSp">
-        <pc:chgData name="Krista Anderson" userId="9258ad07f004259c" providerId="Windows Live" clId="Web-{64770AA2-56E3-75C4-CC13-7698FD13EFA8}" dt="2024-11-16T19:39:10.977" v="282" actId="14100"/>
-        <pc:sldMkLst>
-          <pc:docMk/>
-          <pc:sldMk cId="3410008520" sldId="275"/>
-        </pc:sldMkLst>
-        <pc:picChg chg="add mod">
-          <ac:chgData name="Krista Anderson" userId="9258ad07f004259c" providerId="Windows Live" clId="Web-{64770AA2-56E3-75C4-CC13-7698FD13EFA8}" dt="2024-11-16T19:39:10.977" v="282" actId="14100"/>
-          <ac:picMkLst>
-            <pc:docMk/>
-            <pc:sldMk cId="3410008520" sldId="275"/>
-            <ac:picMk id="3" creationId="{72CB8A52-EF03-DDA2-086D-4E69553B7752}"/>
-          </ac:picMkLst>
-        </pc:picChg>
-      </pc:sldChg>
-    </pc:docChg>
-  </pc:docChgLst>
-  <pc:docChgLst>
-    <pc:chgData name="Krista Anderson" userId="9258ad07f004259c" providerId="Windows Live" clId="Web-{6082D4E2-8DEE-3D72-EEA6-1A88C0CF44E0}"/>
-    <pc:docChg chg="modSld">
-      <pc:chgData name="Krista Anderson" userId="9258ad07f004259c" providerId="Windows Live" clId="Web-{6082D4E2-8DEE-3D72-EEA6-1A88C0CF44E0}" dt="2024-11-17T16:37:24.199" v="49" actId="14100"/>
-      <pc:docMkLst>
-        <pc:docMk/>
-      </pc:docMkLst>
-      <pc:sldChg chg="modSp">
-        <pc:chgData name="Krista Anderson" userId="9258ad07f004259c" providerId="Windows Live" clId="Web-{6082D4E2-8DEE-3D72-EEA6-1A88C0CF44E0}" dt="2024-11-17T13:57:03.628" v="13" actId="20577"/>
-        <pc:sldMkLst>
-          <pc:docMk/>
-          <pc:sldMk cId="3083623366" sldId="260"/>
-        </pc:sldMkLst>
-        <pc:spChg chg="mod">
-          <ac:chgData name="Krista Anderson" userId="9258ad07f004259c" providerId="Windows Live" clId="Web-{6082D4E2-8DEE-3D72-EEA6-1A88C0CF44E0}" dt="2024-11-17T13:57:03.628" v="13" actId="20577"/>
-          <ac:spMkLst>
-            <pc:docMk/>
-            <pc:sldMk cId="3083623366" sldId="260"/>
-            <ac:spMk id="3" creationId="{902FD5C4-FE5F-46D2-ABC9-49FA4BB8442F}"/>
-          </ac:spMkLst>
-        </pc:spChg>
-      </pc:sldChg>
-      <pc:sldChg chg="addSp delSp modSp">
-        <pc:chgData name="Krista Anderson" userId="9258ad07f004259c" providerId="Windows Live" clId="Web-{6082D4E2-8DEE-3D72-EEA6-1A88C0CF44E0}" dt="2024-11-17T16:37:24.199" v="49" actId="14100"/>
-        <pc:sldMkLst>
-          <pc:docMk/>
-          <pc:sldMk cId="3078551498" sldId="276"/>
-        </pc:sldMkLst>
-        <pc:spChg chg="mod">
-          <ac:chgData name="Krista Anderson" userId="9258ad07f004259c" providerId="Windows Live" clId="Web-{6082D4E2-8DEE-3D72-EEA6-1A88C0CF44E0}" dt="2024-11-17T16:32:17.687" v="29" actId="20577"/>
-          <ac:spMkLst>
-            <pc:docMk/>
-            <pc:sldMk cId="3078551498" sldId="276"/>
-            <ac:spMk id="3" creationId="{902FD5C4-FE5F-46D2-ABC9-49FA4BB8442F}"/>
-          </ac:spMkLst>
-        </pc:spChg>
-        <pc:picChg chg="add del mod">
-          <ac:chgData name="Krista Anderson" userId="9258ad07f004259c" providerId="Windows Live" clId="Web-{6082D4E2-8DEE-3D72-EEA6-1A88C0CF44E0}" dt="2024-11-17T16:37:01.792" v="46"/>
-          <ac:picMkLst>
-            <pc:docMk/>
-            <pc:sldMk cId="3078551498" sldId="276"/>
-            <ac:picMk id="4" creationId="{1DBA7EA2-AFE4-32F0-5ED1-405E63AC57DB}"/>
-          </ac:picMkLst>
-        </pc:picChg>
-        <pc:picChg chg="add del mod">
-          <ac:chgData name="Krista Anderson" userId="9258ad07f004259c" providerId="Windows Live" clId="Web-{6082D4E2-8DEE-3D72-EEA6-1A88C0CF44E0}" dt="2024-11-17T16:35:45.195" v="41"/>
-          <ac:picMkLst>
-            <pc:docMk/>
-            <pc:sldMk cId="3078551498" sldId="276"/>
-            <ac:picMk id="5" creationId="{1A97FE5B-2A58-7F0F-8F93-36818713C319}"/>
-          </ac:picMkLst>
-        </pc:picChg>
-        <pc:picChg chg="add mod">
-          <ac:chgData name="Krista Anderson" userId="9258ad07f004259c" providerId="Windows Live" clId="Web-{6082D4E2-8DEE-3D72-EEA6-1A88C0CF44E0}" dt="2024-11-17T16:37:24.199" v="49" actId="14100"/>
-          <ac:picMkLst>
-            <pc:docMk/>
-            <pc:sldMk cId="3078551498" sldId="276"/>
-            <ac:picMk id="6" creationId="{ED12D481-2D1E-C2BF-932F-1C4EAFAFD545}"/>
-          </ac:picMkLst>
-        </pc:picChg>
-      </pc:sldChg>
-      <pc:sldChg chg="addSp delSp modSp">
-        <pc:chgData name="Krista Anderson" userId="9258ad07f004259c" providerId="Windows Live" clId="Web-{6082D4E2-8DEE-3D72-EEA6-1A88C0CF44E0}" dt="2024-11-17T16:26:09.766" v="27" actId="1076"/>
-        <pc:sldMkLst>
-          <pc:docMk/>
-          <pc:sldMk cId="1817399028" sldId="277"/>
-        </pc:sldMkLst>
-        <pc:spChg chg="del mod">
-          <ac:chgData name="Krista Anderson" userId="9258ad07f004259c" providerId="Windows Live" clId="Web-{6082D4E2-8DEE-3D72-EEA6-1A88C0CF44E0}" dt="2024-11-17T16:25:01.310" v="20"/>
-          <ac:spMkLst>
-            <pc:docMk/>
-            <pc:sldMk cId="1817399028" sldId="277"/>
-            <ac:spMk id="3" creationId="{902FD5C4-FE5F-46D2-ABC9-49FA4BB8442F}"/>
-          </ac:spMkLst>
-        </pc:spChg>
-        <pc:picChg chg="add del mod">
-          <ac:chgData name="Krista Anderson" userId="9258ad07f004259c" providerId="Windows Live" clId="Web-{6082D4E2-8DEE-3D72-EEA6-1A88C0CF44E0}" dt="2024-11-17T16:24:45.935" v="17"/>
-          <ac:picMkLst>
-            <pc:docMk/>
-            <pc:sldMk cId="1817399028" sldId="277"/>
-            <ac:picMk id="4" creationId="{1CEB6871-FB7F-CE54-6E6D-F78B5872139C}"/>
-          </ac:picMkLst>
-        </pc:picChg>
-        <pc:picChg chg="add mod ord">
-          <ac:chgData name="Krista Anderson" userId="9258ad07f004259c" providerId="Windows Live" clId="Web-{6082D4E2-8DEE-3D72-EEA6-1A88C0CF44E0}" dt="2024-11-17T16:26:09.766" v="27" actId="1076"/>
-          <ac:picMkLst>
-            <pc:docMk/>
-            <pc:sldMk cId="1817399028" sldId="277"/>
-            <ac:picMk id="5" creationId="{5C4E86E8-4DC2-870C-5D00-81A552C4BEDA}"/>
-          </ac:picMkLst>
-        </pc:picChg>
-      </pc:sldChg>
-    </pc:docChg>
-  </pc:docChgLst>
-</pc:chgInfo>
 </file>
 
 <file path=ppt/ink/ink1.xml><?xml version="1.0" encoding="utf-8"?>
@@ -9117,6 +8604,228 @@
 </p:sld>
 </file>
 
+<file path=ppt/slides/slide21.xml><?xml version="1.0" encoding="utf-8"?>
+<p:sld xmlns:a="http://schemas.openxmlformats.org/drawingml/2006/main" xmlns:r="http://schemas.openxmlformats.org/officeDocument/2006/relationships" xmlns:p="http://schemas.openxmlformats.org/presentationml/2006/main">
+  <p:cSld>
+    <p:spTree>
+      <p:nvGrpSpPr>
+        <p:cNvPr id="1" name=""/>
+        <p:cNvGrpSpPr/>
+        <p:nvPr/>
+      </p:nvGrpSpPr>
+      <p:grpSpPr>
+        <a:xfrm>
+          <a:off x="0" y="0"/>
+          <a:ext cx="0" cy="0"/>
+          <a:chOff x="0" y="0"/>
+          <a:chExt cx="0" cy="0"/>
+        </a:xfrm>
+      </p:grpSpPr>
+      <p:sp>
+        <p:nvSpPr>
+          <p:cNvPr id="5" name="Title 4">
+            <a:extLst>
+              <a:ext uri="{FF2B5EF4-FFF2-40B4-BE49-F238E27FC236}">
+                <a16:creationId xmlns:a16="http://schemas.microsoft.com/office/drawing/2014/main" id="{49F5A09A-550C-CFFD-5250-CC126A51310A}"/>
+              </a:ext>
+            </a:extLst>
+          </p:cNvPr>
+          <p:cNvSpPr>
+            <a:spLocks noGrp="1"/>
+          </p:cNvSpPr>
+          <p:nvPr>
+            <p:ph type="title"/>
+          </p:nvPr>
+        </p:nvSpPr>
+        <p:spPr/>
+        <p:txBody>
+          <a:bodyPr/>
+          <a:lstStyle/>
+          <a:p>
+            <a:r>
+              <a:rPr lang="en-US" dirty="0"/>
+              <a:t>Appendix</a:t>
+            </a:r>
+          </a:p>
+        </p:txBody>
+      </p:sp>
+      <p:sp>
+        <p:nvSpPr>
+          <p:cNvPr id="6" name="Content Placeholder 5">
+            <a:extLst>
+              <a:ext uri="{FF2B5EF4-FFF2-40B4-BE49-F238E27FC236}">
+                <a16:creationId xmlns:a16="http://schemas.microsoft.com/office/drawing/2014/main" id="{4E06F482-4138-7277-8267-469A87031D10}"/>
+              </a:ext>
+            </a:extLst>
+          </p:cNvPr>
+          <p:cNvSpPr>
+            <a:spLocks noGrp="1"/>
+          </p:cNvSpPr>
+          <p:nvPr>
+            <p:ph idx="1"/>
+          </p:nvPr>
+        </p:nvSpPr>
+        <p:spPr/>
+        <p:txBody>
+          <a:bodyPr/>
+          <a:lstStyle/>
+          <a:p>
+            <a:r>
+              <a:rPr lang="en-US" dirty="0"/>
+              <a:t>1. The Cognos project illustrates both Location by Technology counts but also Technology by Location. It is above.</a:t>
+            </a:r>
+          </a:p>
+          <a:p>
+            <a:r>
+              <a:rPr lang="en-US" dirty="0"/>
+              <a:t>2. A pivot table in Excel is used to show totals for Job Postings:</a:t>
+            </a:r>
+          </a:p>
+          <a:p>
+            <a:r>
+              <a:rPr lang="en-US" dirty="0"/>
+              <a:t>https://github.com/kristajan/IBMDACapstoneProject/blob/be83c401d481e240450fc98e7aa3cba95ea5ace5/job-postingsPT.xlsx</a:t>
+            </a:r>
+          </a:p>
+          <a:p>
+            <a:pPr marL="0" indent="0">
+              <a:buNone/>
+            </a:pPr>
+            <a:endParaRPr lang="en-US" dirty="0"/>
+          </a:p>
+          <a:p>
+            <a:pPr marL="0" indent="0">
+              <a:buNone/>
+            </a:pPr>
+            <a:endParaRPr lang="en-US" dirty="0"/>
+          </a:p>
+        </p:txBody>
+      </p:sp>
+    </p:spTree>
+    <p:extLst>
+      <p:ext uri="{BB962C8B-B14F-4D97-AF65-F5344CB8AC3E}">
+        <p14:creationId xmlns:p14="http://schemas.microsoft.com/office/powerpoint/2010/main" val="2289287902"/>
+      </p:ext>
+    </p:extLst>
+  </p:cSld>
+  <p:clrMapOvr>
+    <a:masterClrMapping/>
+  </p:clrMapOvr>
+</p:sld>
+</file>
+
+<file path=ppt/slides/slide22.xml><?xml version="1.0" encoding="utf-8"?>
+<p:sld xmlns:a="http://schemas.openxmlformats.org/drawingml/2006/main" xmlns:r="http://schemas.openxmlformats.org/officeDocument/2006/relationships" xmlns:p="http://schemas.openxmlformats.org/presentationml/2006/main">
+  <p:cSld>
+    <p:spTree>
+      <p:nvGrpSpPr>
+        <p:cNvPr id="1" name=""/>
+        <p:cNvGrpSpPr/>
+        <p:nvPr/>
+      </p:nvGrpSpPr>
+      <p:grpSpPr>
+        <a:xfrm>
+          <a:off x="0" y="0"/>
+          <a:ext cx="0" cy="0"/>
+          <a:chOff x="0" y="0"/>
+          <a:chExt cx="0" cy="0"/>
+        </a:xfrm>
+      </p:grpSpPr>
+      <p:pic>
+        <p:nvPicPr>
+          <p:cNvPr id="4" name="Picture 2">
+            <a:extLst>
+              <a:ext uri="{FF2B5EF4-FFF2-40B4-BE49-F238E27FC236}">
+                <a16:creationId xmlns:a16="http://schemas.microsoft.com/office/drawing/2014/main" id="{B5254192-121B-43F0-3D71-7B5A2047713F}"/>
+              </a:ext>
+            </a:extLst>
+          </p:cNvPr>
+          <p:cNvPicPr>
+            <a:picLocks noChangeAspect="1" noChangeArrowheads="1"/>
+          </p:cNvPicPr>
+          <p:nvPr/>
+        </p:nvPicPr>
+        <p:blipFill>
+          <a:blip r:embed="rId2">
+            <a:extLst>
+              <a:ext uri="{28A0092B-C50C-407E-A947-70E740481C1C}">
+                <a14:useLocalDpi xmlns:a14="http://schemas.microsoft.com/office/drawing/2010/main" val="0"/>
+              </a:ext>
+            </a:extLst>
+          </a:blip>
+          <a:srcRect/>
+          <a:stretch>
+            <a:fillRect/>
+          </a:stretch>
+        </p:blipFill>
+        <p:spPr bwMode="auto">
+          <a:xfrm>
+            <a:off x="370491" y="1066805"/>
+            <a:ext cx="8403017" cy="4724390"/>
+          </a:xfrm>
+          <a:prstGeom prst="rect">
+            <a:avLst/>
+          </a:prstGeom>
+          <a:noFill/>
+          <a:extLst>
+            <a:ext uri="{909E8E84-426E-40DD-AFC4-6F175D3DCCD1}">
+              <a14:hiddenFill xmlns:a14="http://schemas.microsoft.com/office/drawing/2010/main">
+                <a:solidFill>
+                  <a:srgbClr val="FFFFFF"/>
+                </a:solidFill>
+              </a14:hiddenFill>
+            </a:ext>
+          </a:extLst>
+        </p:spPr>
+      </p:pic>
+      <p:sp>
+        <p:nvSpPr>
+          <p:cNvPr id="5" name="TextBox 4">
+            <a:extLst>
+              <a:ext uri="{FF2B5EF4-FFF2-40B4-BE49-F238E27FC236}">
+                <a16:creationId xmlns:a16="http://schemas.microsoft.com/office/drawing/2014/main" id="{1FBAFC9C-D3BC-8737-3380-C57581CEAA14}"/>
+              </a:ext>
+            </a:extLst>
+          </p:cNvPr>
+          <p:cNvSpPr txBox="1"/>
+          <p:nvPr/>
+        </p:nvSpPr>
+        <p:spPr>
+          <a:xfrm>
+            <a:off x="339538" y="338700"/>
+            <a:ext cx="4232462" cy="400110"/>
+          </a:xfrm>
+          <a:prstGeom prst="rect">
+            <a:avLst/>
+          </a:prstGeom>
+          <a:noFill/>
+        </p:spPr>
+        <p:txBody>
+          <a:bodyPr wrap="square" rtlCol="0">
+            <a:spAutoFit/>
+          </a:bodyPr>
+          <a:lstStyle/>
+          <a:p>
+            <a:r>
+              <a:rPr lang="en-US" sz="2000" dirty="0"/>
+              <a:t>Pivot Table in Excel</a:t>
+            </a:r>
+          </a:p>
+        </p:txBody>
+      </p:sp>
+    </p:spTree>
+    <p:extLst>
+      <p:ext uri="{BB962C8B-B14F-4D97-AF65-F5344CB8AC3E}">
+        <p14:creationId xmlns:p14="http://schemas.microsoft.com/office/powerpoint/2010/main" val="680740101"/>
+      </p:ext>
+    </p:extLst>
+  </p:cSld>
+  <p:clrMapOvr>
+    <a:masterClrMapping/>
+  </p:clrMapOvr>
+</p:sld>
+</file>
+
 <file path=ppt/slides/slide3.xml><?xml version="1.0" encoding="utf-8"?>
 <p:sld xmlns:a="http://schemas.openxmlformats.org/drawingml/2006/main" xmlns:r="http://schemas.openxmlformats.org/officeDocument/2006/relationships" xmlns:p="http://schemas.openxmlformats.org/presentationml/2006/main">
   <p:cSld>
@@ -9411,7 +9120,7 @@
         </p:spPr>
         <p:txBody>
           <a:bodyPr vert="horz" lIns="91440" tIns="45720" rIns="91440" bIns="45720" rtlCol="0" anchor="t">
-            <a:normAutofit lnSpcReduction="10000"/>
+            <a:normAutofit/>
           </a:bodyPr>
           <a:lstStyle>
             <a:lvl1pPr marL="228600" indent="-228600" algn="l" defTabSz="914400" rtl="0" eaLnBrk="1" latinLnBrk="0" hangingPunct="1">
@@ -9579,13 +9288,68 @@
           </a:lstStyle>
           <a:p>
             <a:r>
-              <a:rPr lang="en-US" sz="2200" dirty="0">
+              <a:rPr lang="en-US" sz="1500" dirty="0">
+                <a:effectLst/>
+                <a:latin typeface="Arial" panose="020B0604020202020204" pitchFamily="34" charset="0"/>
+                <a:cs typeface="Arial" panose="020B0604020202020204" pitchFamily="34" charset="0"/>
+              </a:rPr>
+              <a:t>This study uses data collected and cleaned from a survey conducted by Stack Overflow. It is intended to show management what trends are for future Languages, Databases, Platforms, and Web Frames, as the respondents answered they would like to learn. The graphs and charts below show the data in readable and summarized form. The data includes </a:t>
+            </a:r>
+            <a:r>
+              <a:rPr lang="en-US" sz="1500" dirty="0" err="1">
+                <a:effectLst/>
+                <a:latin typeface="Arial" panose="020B0604020202020204" pitchFamily="34" charset="0"/>
+                <a:cs typeface="Arial" panose="020B0604020202020204" pitchFamily="34" charset="0"/>
+              </a:rPr>
+              <a:t>Demograhpics</a:t>
+            </a:r>
+            <a:r>
+              <a:rPr lang="en-US" sz="1500" dirty="0">
+                <a:effectLst/>
+                <a:latin typeface="Arial" panose="020B0604020202020204" pitchFamily="34" charset="0"/>
+                <a:cs typeface="Arial" panose="020B0604020202020204" pitchFamily="34" charset="0"/>
+              </a:rPr>
+              <a:t> and the following for both Current work and Desired Future Learning </a:t>
+            </a:r>
+            <a:r>
+              <a:rPr lang="en-US" sz="1500" dirty="0" err="1">
+                <a:effectLst/>
+                <a:latin typeface="Arial" panose="020B0604020202020204" pitchFamily="34" charset="0"/>
+                <a:cs typeface="Arial" panose="020B0604020202020204" pitchFamily="34" charset="0"/>
+              </a:rPr>
+              <a:t>for:</a:t>
+            </a:r>
+            <a:r>
+              <a:rPr lang="en-US" sz="1500" dirty="0" err="1">
+                <a:latin typeface="Arial" panose="020B0604020202020204" pitchFamily="34" charset="0"/>
+                <a:cs typeface="Arial" panose="020B0604020202020204" pitchFamily="34" charset="0"/>
+              </a:rPr>
+              <a:t>Most</a:t>
+            </a:r>
+            <a:r>
+              <a:rPr lang="en-US" sz="1500" dirty="0">
+                <a:latin typeface="Arial" panose="020B0604020202020204" pitchFamily="34" charset="0"/>
+                <a:cs typeface="Arial" panose="020B0604020202020204" pitchFamily="34" charset="0"/>
+              </a:rPr>
+              <a:t> Common Languages worked with were Bash and other shells, C#, HTMP/CSS, C, Assembly, and Java.</a:t>
+            </a:r>
+            <a:endParaRPr lang="en-US" sz="1500" dirty="0">
+              <a:solidFill>
+                <a:srgbClr val="000000"/>
+              </a:solidFill>
+              <a:latin typeface="Arial" panose="020B0604020202020204" pitchFamily="34" charset="0"/>
+              <a:cs typeface="Arial" panose="020B0604020202020204" pitchFamily="34" charset="0"/>
+            </a:endParaRPr>
+          </a:p>
+          <a:p>
+            <a:r>
+              <a:rPr lang="en-US" sz="1500" dirty="0">
                 <a:latin typeface="Arial"/>
                 <a:cs typeface="Arial"/>
               </a:rPr>
-              <a:t>Most Common Languages worked with were Bash and other shells, C#, HTMP/CSS, C, Assembly, and Java.</a:t>
-            </a:r>
-            <a:endParaRPr lang="en-US" sz="2200" dirty="0">
+              <a:t>Most Common Databases worked with were Firebase, MS SQL Server, MongoDB, MariaDB, and MySQL</a:t>
+            </a:r>
+            <a:endParaRPr lang="en-US" sz="1500" dirty="0">
               <a:solidFill>
                 <a:srgbClr val="000000"/>
               </a:solidFill>
@@ -9595,13 +9359,13 @@
           </a:p>
           <a:p>
             <a:r>
-              <a:rPr lang="en-US" sz="2200" dirty="0">
+              <a:rPr lang="en-US" sz="1500" dirty="0">
                 <a:latin typeface="Arial"/>
                 <a:cs typeface="Arial"/>
               </a:rPr>
-              <a:t>Most Common Databases worked with were Firebase, MS SQL Server, MongoDB, MariaDB, and MySQL</a:t>
-            </a:r>
-            <a:endParaRPr lang="en-US" sz="2200" dirty="0">
+              <a:t>Most Common Areas Desired to work with</a:t>
+            </a:r>
+            <a:endParaRPr lang="en-US" sz="1500" dirty="0">
               <a:solidFill>
                 <a:srgbClr val="000000"/>
               </a:solidFill>
@@ -9610,14 +9374,15 @@
             </a:endParaRPr>
           </a:p>
           <a:p>
-            <a:r>
-              <a:rPr lang="en-US" sz="2200" dirty="0">
+            <a:pPr lvl="1"/>
+            <a:r>
+              <a:rPr lang="en-US" sz="1500" dirty="0">
                 <a:latin typeface="Arial"/>
                 <a:cs typeface="Arial"/>
               </a:rPr>
-              <a:t>Most Common Areas Desired to work with</a:t>
-            </a:r>
-            <a:endParaRPr lang="en-US" sz="2200" dirty="0">
+              <a:t>Languages – JavaScript, HTML/CSS, Python, SQL</a:t>
+            </a:r>
+            <a:endParaRPr lang="en-US" sz="1500" dirty="0">
               <a:solidFill>
                 <a:srgbClr val="000000"/>
               </a:solidFill>
@@ -9628,13 +9393,13 @@
           <a:p>
             <a:pPr lvl="1"/>
             <a:r>
-              <a:rPr lang="en-US" sz="1800" dirty="0">
+              <a:rPr lang="en-US" sz="1500" dirty="0">
                 <a:latin typeface="Arial"/>
                 <a:cs typeface="Arial"/>
               </a:rPr>
-              <a:t>Languages – JavaScript, HTML/CSS, Python, SQL</a:t>
-            </a:r>
-            <a:endParaRPr lang="en-US" sz="1800" dirty="0">
+              <a:t>Databases – PostgreSQL, MongoDB, Redis, MySQL</a:t>
+            </a:r>
+            <a:endParaRPr lang="en-US" sz="1500" dirty="0">
               <a:solidFill>
                 <a:srgbClr val="000000"/>
               </a:solidFill>
@@ -9645,13 +9410,32 @@
           <a:p>
             <a:pPr lvl="1"/>
             <a:r>
-              <a:rPr lang="en-US" sz="1800" dirty="0">
+              <a:rPr lang="en-US" sz="1500" dirty="0">
                 <a:latin typeface="Arial"/>
                 <a:cs typeface="Arial"/>
               </a:rPr>
-              <a:t>Databases – PostgreSQL, MongoDB, Redis, MySQL</a:t>
-            </a:r>
-            <a:endParaRPr lang="en-US" sz="1800" dirty="0">
+              <a:t>Platforms – Linux, Docker, AWS, Windows, Android</a:t>
+            </a:r>
+          </a:p>
+          <a:p>
+            <a:pPr lvl="1"/>
+            <a:r>
+              <a:rPr lang="en-US" sz="1500" dirty="0">
+                <a:latin typeface="Arial"/>
+                <a:cs typeface="Arial"/>
+              </a:rPr>
+              <a:t>Web Frames – React.js, Vue.js, Angular.js, Asp.net, and jQuery</a:t>
+            </a:r>
+          </a:p>
+          <a:p>
+            <a:r>
+              <a:rPr lang="en-US" sz="1500" dirty="0">
+                <a:latin typeface="Arial"/>
+                <a:cs typeface="Arial"/>
+              </a:rPr>
+              <a:t>Education Levels - People who had Masters Degrees got them mostly between ages 21-26</a:t>
+            </a:r>
+            <a:endParaRPr lang="en-US" sz="1500" dirty="0">
               <a:solidFill>
                 <a:srgbClr val="000000"/>
               </a:solidFill>
@@ -9660,53 +9444,9 @@
             </a:endParaRPr>
           </a:p>
           <a:p>
-            <a:pPr lvl="1"/>
-            <a:r>
-              <a:rPr lang="en-US" sz="1800" dirty="0">
-                <a:latin typeface="Arial"/>
-                <a:cs typeface="Arial"/>
-              </a:rPr>
-              <a:t>Platforms – Linux, Docker, AWS, Windows, Android</a:t>
-            </a:r>
-          </a:p>
-          <a:p>
-            <a:pPr lvl="1"/>
-            <a:r>
-              <a:rPr lang="en-US" sz="1800" dirty="0">
-                <a:latin typeface="Arial"/>
-                <a:cs typeface="Arial"/>
-              </a:rPr>
-              <a:t>Web Frames – React.js, Vue.js, Angular.js, Asp.net,</a:t>
-            </a:r>
-            <a:r>
-              <a:rPr lang="en-US" sz="1800">
-                <a:latin typeface="Arial"/>
-                <a:cs typeface="Arial"/>
-              </a:rPr>
-              <a:t> and jQuery</a:t>
-            </a:r>
-            <a:endParaRPr lang="en-US" sz="1800" dirty="0">
-              <a:latin typeface="Arial"/>
-              <a:cs typeface="Arial"/>
-            </a:endParaRPr>
-          </a:p>
-          <a:p>
-            <a:r>
-              <a:rPr lang="en-US" sz="2200" dirty="0">
-                <a:latin typeface="Arial"/>
-                <a:cs typeface="Arial"/>
-              </a:rPr>
-              <a:t>Education Levels - People who had Masters Degrees got them mostly between ages 21-26</a:t>
-            </a:r>
-            <a:endParaRPr lang="en-US" sz="2200" dirty="0">
-              <a:solidFill>
-                <a:srgbClr val="000000"/>
-              </a:solidFill>
-              <a:latin typeface="Arial"/>
-              <a:cs typeface="Arial"/>
-            </a:endParaRPr>
-          </a:p>
-          <a:p>
+            <a:pPr marL="0" indent="0">
+              <a:buNone/>
+            </a:pPr>
             <a:endParaRPr lang="en-US" sz="2200" dirty="0">
               <a:latin typeface="Arial"/>
               <a:cs typeface="Arial"/>
@@ -9820,41 +9560,57 @@
           <a:lstStyle/>
           <a:p>
             <a:r>
-              <a:rPr lang="en-US" sz="2200" dirty="0">
+              <a:rPr lang="en-US" sz="2400" dirty="0">
                 <a:latin typeface="IBM Plex Mono Text"/>
               </a:rPr>
               <a:t>Data was collected from </a:t>
             </a:r>
             <a:r>
-              <a:rPr lang="en-US" sz="2200" dirty="0" err="1">
+              <a:rPr lang="en-US" sz="2400" dirty="0" err="1">
                 <a:latin typeface="IBM Plex Mono Text"/>
               </a:rPr>
               <a:t>StackOverflow</a:t>
             </a:r>
             <a:r>
-              <a:rPr lang="en-US" sz="2200" dirty="0">
+              <a:rPr lang="en-US" sz="2400" dirty="0">
                 <a:latin typeface="IBM Plex Mono Text"/>
               </a:rPr>
-              <a:t> Survey</a:t>
-            </a:r>
-          </a:p>
-          <a:p>
-            <a:r>
-              <a:rPr lang="en-US" sz="2200" dirty="0">
+              <a:t> Survey about Current and Future Languages, Databases, Platforms, Demographics, etc.</a:t>
+            </a:r>
+          </a:p>
+          <a:p>
+            <a:r>
+              <a:rPr lang="en-US" sz="2400" dirty="0">
                 <a:latin typeface="IBM Plex Mono Text"/>
               </a:rPr>
-              <a:t>Data was uploaded to IBM Cognos Analytics</a:t>
-            </a:r>
-            <a:endParaRPr lang="en-US" dirty="0"/>
-          </a:p>
-          <a:p>
-            <a:r>
-              <a:rPr lang="en-US" sz="2200" dirty="0">
+              <a:t>Data was uploaded to IBM Cognos Analytics.</a:t>
+            </a:r>
+            <a:endParaRPr lang="en-US" sz="2400" dirty="0"/>
+          </a:p>
+          <a:p>
+            <a:r>
+              <a:rPr lang="en-US" sz="2400" dirty="0">
                 <a:latin typeface="IBM Plex Mono Text"/>
               </a:rPr>
-              <a:t>Bar charts and other graphs or plots show the data</a:t>
-            </a:r>
-            <a:endParaRPr lang="en-US" sz="2200" dirty="0"/>
+              <a:t>Bar charts and other graphs or plots show the data.</a:t>
+            </a:r>
+          </a:p>
+          <a:p>
+            <a:r>
+              <a:rPr lang="en-US" sz="2400" dirty="0">
+                <a:latin typeface="IBM Plex Mono Text"/>
+              </a:rPr>
+              <a:t>Additional data was analyzed for Job Posting by Location</a:t>
+            </a:r>
+          </a:p>
+          <a:p>
+            <a:r>
+              <a:rPr lang="en-US" sz="2400" dirty="0">
+                <a:latin typeface="IBM Plex Mono Text"/>
+              </a:rPr>
+              <a:t>Additional data was analyzed for Languages by Salary</a:t>
+            </a:r>
+            <a:endParaRPr lang="en-US" sz="2400" dirty="0"/>
           </a:p>
         </p:txBody>
       </p:sp>
@@ -10573,17 +10329,8 @@
               <a:rPr lang="en-US" dirty="0">
                 <a:latin typeface="IBM Plex Mono Text"/>
               </a:rPr>
-              <a:t>Bash and other shell languages </a:t>
-            </a:r>
-            <a:r>
-              <a:rPr lang="en-US">
-                <a:latin typeface="IBM Plex Mono Text"/>
-              </a:rPr>
-              <a:t>have dropped to rank 7.</a:t>
-            </a:r>
-            <a:endParaRPr lang="en-US" dirty="0">
-              <a:latin typeface="IBM Plex Mono Text"/>
-            </a:endParaRPr>
+              <a:t>Bash and other shell languages have dropped to rank 7.</a:t>
+            </a:r>
           </a:p>
           <a:p>
             <a:r>
@@ -11805,15 +11552,6 @@
 </file>
 
 <file path=customXml/item2.xml><?xml version="1.0" encoding="utf-8"?>
-<?mso-contentType ?>
-<FormTemplates xmlns="http://schemas.microsoft.com/sharepoint/v3/contenttype/forms">
-  <Display>DocumentLibraryForm</Display>
-  <Edit>DocumentLibraryForm</Edit>
-  <New>DocumentLibraryForm</New>
-</FormTemplates>
-</file>
-
-<file path=customXml/item3.xml><?xml version="1.0" encoding="utf-8"?>
 <ct:contentTypeSchema xmlns:ct="http://schemas.microsoft.com/office/2006/metadata/contentType" xmlns:ma="http://schemas.microsoft.com/office/2006/metadata/properties/metaAttributes" ct:_="" ma:_="" ma:contentTypeName="Document" ma:contentTypeID="0x010100EECD86F56755A646AC8AFCBCBD967F21" ma:contentTypeVersion="11" ma:contentTypeDescription="Create a new document." ma:contentTypeScope="" ma:versionID="4bc1015ece1c23b1ef2f55a62f11494f">
   <xsd:schema xmlns:xsd="http://www.w3.org/2001/XMLSchema" xmlns:xs="http://www.w3.org/2001/XMLSchema" xmlns:p="http://schemas.microsoft.com/office/2006/metadata/properties" xmlns:ns2="155be751-a274-42e8-93fb-f39d3b9bccc8" xmlns:ns3="f80a141d-92ca-4d3d-9308-f7e7b1d44ce8" targetNamespace="http://schemas.microsoft.com/office/2006/metadata/properties" ma:root="true" ma:fieldsID="efbf6837a43ed91190e40f849f23a130" ns2:_="" ns3:_="">
     <xsd:import namespace="155be751-a274-42e8-93fb-f39d3b9bccc8"/>
@@ -12024,6 +11762,15 @@
 </ct:contentTypeSchema>
 </file>
 
+<file path=customXml/item3.xml><?xml version="1.0" encoding="utf-8"?>
+<?mso-contentType ?>
+<FormTemplates xmlns="http://schemas.microsoft.com/sharepoint/v3/contenttype/forms">
+  <Display>DocumentLibraryForm</Display>
+  <Edit>DocumentLibraryForm</Edit>
+  <New>DocumentLibraryForm</New>
+</FormTemplates>
+</file>
+
 <file path=customXml/itemProps1.xml><?xml version="1.0" encoding="utf-8"?>
 <ds:datastoreItem xmlns:ds="http://schemas.openxmlformats.org/officeDocument/2006/customXml" ds:itemID="{54DA07C5-A406-4A0D-B3E6-3856C94AC7F3}">
   <ds:schemaRefs>
@@ -12034,14 +11781,6 @@
 </file>
 
 <file path=customXml/itemProps2.xml><?xml version="1.0" encoding="utf-8"?>
-<ds:datastoreItem xmlns:ds="http://schemas.openxmlformats.org/officeDocument/2006/customXml" ds:itemID="{7EFDA260-DDA0-422C-B7AE-778F653FBB36}">
-  <ds:schemaRefs>
-    <ds:schemaRef ds:uri="http://schemas.microsoft.com/sharepoint/v3/contenttype/forms"/>
-  </ds:schemaRefs>
-</ds:datastoreItem>
-</file>
-
-<file path=customXml/itemProps3.xml><?xml version="1.0" encoding="utf-8"?>
 <ds:datastoreItem xmlns:ds="http://schemas.openxmlformats.org/officeDocument/2006/customXml" ds:itemID="{887AE8FE-83F0-42D0-BB5E-14AD3FB1DE17}">
   <ds:schemaRefs>
     <ds:schemaRef ds:uri="http://schemas.microsoft.com/office/2006/metadata/contentType"/>
@@ -12058,4 +11797,12 @@
     <ds:schemaRef ds:uri="http://schemas.microsoft.com/internal/obd"/>
   </ds:schemaRefs>
 </ds:datastoreItem>
+</file>
+
+<file path=customXml/itemProps3.xml><?xml version="1.0" encoding="utf-8"?>
+<ds:datastoreItem xmlns:ds="http://schemas.openxmlformats.org/officeDocument/2006/customXml" ds:itemID="{7EFDA260-DDA0-422C-B7AE-778F653FBB36}">
+  <ds:schemaRefs>
+    <ds:schemaRef ds:uri="http://schemas.microsoft.com/sharepoint/v3/contenttype/forms"/>
+  </ds:schemaRefs>
+</ds:datastoreItem>
 </file>